--- a/docs/diagrams/Activity Diagram and OO Diagram.pptx
+++ b/docs/diagrams/Activity Diagram and OO Diagram.pptx
@@ -2971,47 +2971,23 @@
       </p:grpSpPr>
       <p:sp>
         <p:nvSpPr>
-          <p:cNvPr id="4" name="TextBox 3"/>
-          <p:cNvSpPr txBox="1"/>
-          <p:nvPr/>
-        </p:nvSpPr>
-        <p:spPr>
-          <a:xfrm>
-            <a:off x="307731" y="140677"/>
-            <a:ext cx="5410840" cy="369332"/>
-          </a:xfrm>
-          <a:prstGeom prst="rect">
-            <a:avLst/>
-          </a:prstGeom>
-          <a:noFill/>
-        </p:spPr>
-        <p:txBody>
-          <a:bodyPr wrap="none" rtlCol="0">
-            <a:spAutoFit/>
-          </a:bodyPr>
-          <a:lstStyle/>
-          <a:p>
-            <a:r>
-              <a:rPr lang="en-SG" dirty="0"/>
-              <a:t>Activity: Jim storing to do items from his email in Dowat</a:t>
-            </a:r>
-          </a:p>
-        </p:txBody>
-      </p:sp>
-      <p:sp>
-        <p:nvSpPr>
-          <p:cNvPr id="5" name="Rounded Rectangle 4"/>
+          <p:cNvPr id="61" name="Rounded Rectangle 60"/>
           <p:cNvSpPr/>
           <p:nvPr/>
         </p:nvSpPr>
         <p:spPr>
           <a:xfrm>
-            <a:off x="1626577" y="1635369"/>
-            <a:ext cx="1266092" cy="492368"/>
+            <a:off x="3121269" y="723905"/>
+            <a:ext cx="3168164" cy="5090746"/>
           </a:xfrm>
           <a:prstGeom prst="roundRect">
             <a:avLst/>
           </a:prstGeom>
+          <a:solidFill>
+            <a:srgbClr val="DAE3F3">
+              <a:alpha val="20000"/>
+            </a:srgbClr>
+          </a:solidFill>
         </p:spPr>
         <p:style>
           <a:lnRef idx="2">
@@ -3034,6 +3010,134 @@
           <a:lstStyle/>
           <a:p>
             <a:pPr algn="ctr"/>
+            <a:endParaRPr lang="en-SG"/>
+          </a:p>
+        </p:txBody>
+      </p:sp>
+      <p:sp>
+        <p:nvSpPr>
+          <p:cNvPr id="2" name="Rounded Rectangle 1"/>
+          <p:cNvSpPr/>
+          <p:nvPr/>
+        </p:nvSpPr>
+        <p:spPr>
+          <a:xfrm>
+            <a:off x="6655776" y="720969"/>
+            <a:ext cx="4545623" cy="5090746"/>
+          </a:xfrm>
+          <a:prstGeom prst="roundRect">
+            <a:avLst/>
+          </a:prstGeom>
+          <a:solidFill>
+            <a:srgbClr val="DAE3F3">
+              <a:alpha val="20000"/>
+            </a:srgbClr>
+          </a:solidFill>
+        </p:spPr>
+        <p:style>
+          <a:lnRef idx="2">
+            <a:schemeClr val="accent1">
+              <a:shade val="50000"/>
+            </a:schemeClr>
+          </a:lnRef>
+          <a:fillRef idx="1">
+            <a:schemeClr val="accent1"/>
+          </a:fillRef>
+          <a:effectRef idx="0">
+            <a:schemeClr val="accent1"/>
+          </a:effectRef>
+          <a:fontRef idx="minor">
+            <a:schemeClr val="lt1"/>
+          </a:fontRef>
+        </p:style>
+        <p:txBody>
+          <a:bodyPr rtlCol="0" anchor="ctr"/>
+          <a:lstStyle/>
+          <a:p>
+            <a:pPr algn="ctr"/>
+            <a:endParaRPr lang="en-SG"/>
+          </a:p>
+        </p:txBody>
+      </p:sp>
+      <p:sp>
+        <p:nvSpPr>
+          <p:cNvPr id="4" name="TextBox 3"/>
+          <p:cNvSpPr txBox="1"/>
+          <p:nvPr/>
+        </p:nvSpPr>
+        <p:spPr>
+          <a:xfrm>
+            <a:off x="3560882" y="782515"/>
+            <a:ext cx="2409092" cy="615553"/>
+          </a:xfrm>
+          <a:prstGeom prst="rect">
+            <a:avLst/>
+          </a:prstGeom>
+          <a:noFill/>
+        </p:spPr>
+        <p:txBody>
+          <a:bodyPr wrap="square" rtlCol="0">
+            <a:spAutoFit/>
+          </a:bodyPr>
+          <a:lstStyle/>
+          <a:p>
+            <a:pPr algn="ctr"/>
+            <a:r>
+              <a:rPr lang="en-SG" sz="1600" dirty="0"/>
+              <a:t>Activity: User adds items to </a:t>
+            </a:r>
+            <a:r>
+              <a:rPr lang="en-SG" b="1" dirty="0" err="1">
+                <a:solidFill>
+                  <a:schemeClr val="accent4"/>
+                </a:solidFill>
+              </a:rPr>
+              <a:t>Dowat</a:t>
+            </a:r>
+            <a:endParaRPr lang="en-SG" sz="1000" b="1" dirty="0">
+              <a:solidFill>
+                <a:schemeClr val="accent4"/>
+              </a:solidFill>
+            </a:endParaRPr>
+          </a:p>
+        </p:txBody>
+      </p:sp>
+      <p:sp>
+        <p:nvSpPr>
+          <p:cNvPr id="5" name="Rounded Rectangle 4"/>
+          <p:cNvSpPr/>
+          <p:nvPr/>
+        </p:nvSpPr>
+        <p:spPr>
+          <a:xfrm>
+            <a:off x="4088418" y="1995851"/>
+            <a:ext cx="1266092" cy="492368"/>
+          </a:xfrm>
+          <a:prstGeom prst="roundRect">
+            <a:avLst/>
+          </a:prstGeom>
+        </p:spPr>
+        <p:style>
+          <a:lnRef idx="2">
+            <a:schemeClr val="accent1">
+              <a:shade val="50000"/>
+            </a:schemeClr>
+          </a:lnRef>
+          <a:fillRef idx="1">
+            <a:schemeClr val="accent1"/>
+          </a:fillRef>
+          <a:effectRef idx="0">
+            <a:schemeClr val="accent1"/>
+          </a:effectRef>
+          <a:fontRef idx="minor">
+            <a:schemeClr val="lt1"/>
+          </a:fontRef>
+        </p:style>
+        <p:txBody>
+          <a:bodyPr rtlCol="0" anchor="ctr"/>
+          <a:lstStyle/>
+          <a:p>
+            <a:pPr algn="ctr"/>
             <a:r>
               <a:rPr lang="en-SG" sz="1200" dirty="0"/>
               <a:t>To do task arrives as email</a:t>
@@ -3049,7 +3153,7 @@
         </p:nvSpPr>
         <p:spPr>
           <a:xfrm>
-            <a:off x="2189286" y="1257290"/>
+            <a:off x="4651127" y="1617772"/>
             <a:ext cx="140677" cy="149470"/>
           </a:xfrm>
           <a:prstGeom prst="ellipse">
@@ -3100,7 +3204,7 @@
         </p:nvCxnSpPr>
         <p:spPr>
           <a:xfrm flipH="1">
-            <a:off x="2259623" y="1406760"/>
+            <a:off x="4721464" y="1767242"/>
             <a:ext cx="2" cy="228609"/>
           </a:xfrm>
           <a:prstGeom prst="straightConnector1">
@@ -3136,7 +3240,7 @@
         </p:nvSpPr>
         <p:spPr>
           <a:xfrm>
-            <a:off x="975946" y="3045077"/>
+            <a:off x="3437787" y="3405559"/>
             <a:ext cx="1084393" cy="594941"/>
           </a:xfrm>
           <a:prstGeom prst="roundRect">
@@ -3179,7 +3283,7 @@
         </p:nvSpPr>
         <p:spPr>
           <a:xfrm>
-            <a:off x="2400305" y="3039217"/>
+            <a:off x="4862146" y="3399699"/>
             <a:ext cx="1134207" cy="583217"/>
           </a:xfrm>
           <a:prstGeom prst="roundRect">
@@ -3230,7 +3334,7 @@
         </p:nvSpPr>
         <p:spPr>
           <a:xfrm>
-            <a:off x="2145323" y="2338763"/>
+            <a:off x="4607164" y="2699245"/>
             <a:ext cx="219807" cy="272561"/>
           </a:xfrm>
           <a:prstGeom prst="diamond">
@@ -3273,7 +3377,7 @@
         </p:nvCxnSpPr>
         <p:spPr>
           <a:xfrm flipH="1">
-            <a:off x="2255227" y="2127737"/>
+            <a:off x="4717068" y="2488219"/>
             <a:ext cx="4396" cy="211026"/>
           </a:xfrm>
           <a:prstGeom prst="straightConnector1">
@@ -3312,7 +3416,7 @@
         </p:nvCxnSpPr>
         <p:spPr>
           <a:xfrm rot="5400000">
-            <a:off x="1669809" y="2459658"/>
+            <a:off x="4131650" y="2820140"/>
             <a:ext cx="433753" cy="737084"/>
           </a:xfrm>
           <a:prstGeom prst="bentConnector3">
@@ -3353,7 +3457,7 @@
         </p:nvCxnSpPr>
         <p:spPr>
           <a:xfrm rot="16200000" flipH="1">
-            <a:off x="2397372" y="2469179"/>
+            <a:off x="4859213" y="2829661"/>
             <a:ext cx="427893" cy="712182"/>
           </a:xfrm>
           <a:prstGeom prst="bentConnector3">
@@ -3391,7 +3495,7 @@
         </p:nvSpPr>
         <p:spPr>
           <a:xfrm>
-            <a:off x="1811215" y="4369782"/>
+            <a:off x="4273056" y="4730264"/>
             <a:ext cx="931985" cy="565636"/>
           </a:xfrm>
           <a:prstGeom prst="roundRect">
@@ -3437,7 +3541,7 @@
         </p:nvCxnSpPr>
         <p:spPr>
           <a:xfrm rot="16200000" flipH="1">
-            <a:off x="1746002" y="3412159"/>
+            <a:off x="4207843" y="3772641"/>
             <a:ext cx="301882" cy="757600"/>
           </a:xfrm>
           <a:prstGeom prst="bentConnector3">
@@ -3478,7 +3582,7 @@
         </p:nvCxnSpPr>
         <p:spPr>
           <a:xfrm rot="5400000">
-            <a:off x="2461843" y="3436334"/>
+            <a:off x="4923684" y="3796816"/>
             <a:ext cx="319466" cy="691666"/>
           </a:xfrm>
           <a:prstGeom prst="bentConnector3">
@@ -3516,7 +3620,7 @@
         </p:nvSpPr>
         <p:spPr>
           <a:xfrm>
-            <a:off x="2209799" y="5128851"/>
+            <a:off x="4671640" y="5489333"/>
             <a:ext cx="140677" cy="149470"/>
           </a:xfrm>
           <a:prstGeom prst="ellipse">
@@ -3567,7 +3671,7 @@
         </p:nvCxnSpPr>
         <p:spPr>
           <a:xfrm>
-            <a:off x="2277208" y="4935418"/>
+            <a:off x="4739049" y="5295900"/>
             <a:ext cx="2930" cy="193433"/>
           </a:xfrm>
           <a:prstGeom prst="straightConnector1">
@@ -3603,8 +3707,8 @@
         </p:nvSpPr>
         <p:spPr>
           <a:xfrm>
-            <a:off x="6377354" y="178777"/>
-            <a:ext cx="4856842" cy="369332"/>
+            <a:off x="6655777" y="688730"/>
+            <a:ext cx="4536832" cy="369332"/>
           </a:xfrm>
           <a:prstGeom prst="rect">
             <a:avLst/>
@@ -3612,15 +3716,29 @@
           <a:noFill/>
         </p:spPr>
         <p:txBody>
-          <a:bodyPr wrap="none" rtlCol="0">
+          <a:bodyPr wrap="square" rtlCol="0">
             <a:spAutoFit/>
           </a:bodyPr>
           <a:lstStyle/>
           <a:p>
-            <a:r>
-              <a:rPr lang="en-SG" dirty="0"/>
-              <a:t>Activity: Jim reviewing Dowat for tasks and events</a:t>
-            </a:r>
+            <a:pPr algn="ctr"/>
+            <a:r>
+              <a:rPr lang="en-SG" sz="1600" dirty="0"/>
+              <a:t>Activity: User accessing </a:t>
+            </a:r>
+            <a:r>
+              <a:rPr lang="en-SG" b="1" dirty="0" err="1">
+                <a:solidFill>
+                  <a:schemeClr val="accent4"/>
+                </a:solidFill>
+              </a:rPr>
+              <a:t>Dowat</a:t>
+            </a:r>
+            <a:endParaRPr lang="en-SG" b="1" dirty="0">
+              <a:solidFill>
+                <a:schemeClr val="accent4"/>
+              </a:solidFill>
+            </a:endParaRPr>
           </a:p>
         </p:txBody>
       </p:sp>
@@ -3687,8 +3805,8 @@
         </p:nvSpPr>
         <p:spPr>
           <a:xfrm>
-            <a:off x="8795240" y="1163512"/>
-            <a:ext cx="140677" cy="149470"/>
+            <a:off x="8774722" y="1160584"/>
+            <a:ext cx="175847" cy="161189"/>
           </a:xfrm>
           <a:prstGeom prst="ellipse">
             <a:avLst/>
@@ -3737,9 +3855,9 @@
           <p:nvPr/>
         </p:nvCxnSpPr>
         <p:spPr>
-          <a:xfrm flipH="1">
-            <a:off x="8862646" y="1312982"/>
-            <a:ext cx="2933" cy="252048"/>
+          <a:xfrm>
+            <a:off x="8862646" y="1321773"/>
+            <a:ext cx="0" cy="243257"/>
           </a:xfrm>
           <a:prstGeom prst="straightConnector1">
             <a:avLst/>
@@ -3822,8 +3940,8 @@
         </p:nvSpPr>
         <p:spPr>
           <a:xfrm>
-            <a:off x="9495691" y="2716830"/>
-            <a:ext cx="1195755" cy="548062"/>
+            <a:off x="9495691" y="2690454"/>
+            <a:ext cx="1195755" cy="589078"/>
           </a:xfrm>
           <a:prstGeom prst="roundRect">
             <a:avLst/>
@@ -3988,12 +4106,12 @@
         </p:nvCxnSpPr>
         <p:spPr>
           <a:xfrm rot="16200000" flipH="1">
-            <a:off x="9342561" y="1965822"/>
-            <a:ext cx="269628" cy="1232388"/>
+            <a:off x="9355749" y="1952634"/>
+            <a:ext cx="243252" cy="1232388"/>
           </a:xfrm>
           <a:prstGeom prst="bentConnector3">
             <a:avLst>
-              <a:gd name="adj1" fmla="val 36956"/>
+              <a:gd name="adj1" fmla="val 39157"/>
             </a:avLst>
           </a:prstGeom>
           <a:ln w="28575">
@@ -4069,7 +4187,7 @@
         </p:nvSpPr>
         <p:spPr>
           <a:xfrm>
-            <a:off x="8842130" y="5694496"/>
+            <a:off x="8842130" y="5509864"/>
             <a:ext cx="140677" cy="149470"/>
           </a:xfrm>
           <a:prstGeom prst="ellipse">
@@ -4117,7 +4235,7 @@
         </p:nvSpPr>
         <p:spPr>
           <a:xfrm>
-            <a:off x="1099040" y="2497017"/>
+            <a:off x="3560881" y="2857499"/>
             <a:ext cx="1160586" cy="415498"/>
           </a:xfrm>
           <a:prstGeom prst="rect">
@@ -4146,7 +4264,7 @@
         </p:nvSpPr>
         <p:spPr>
           <a:xfrm>
-            <a:off x="2543909" y="2658209"/>
+            <a:off x="5005750" y="3018691"/>
             <a:ext cx="656492" cy="253916"/>
           </a:xfrm>
           <a:prstGeom prst="rect">
@@ -4175,7 +4293,7 @@
         </p:nvSpPr>
         <p:spPr>
           <a:xfrm>
-            <a:off x="2165839" y="3941900"/>
+            <a:off x="4627680" y="4302382"/>
             <a:ext cx="219807" cy="272561"/>
           </a:xfrm>
           <a:prstGeom prst="diamond">
@@ -4218,7 +4336,7 @@
         </p:nvCxnSpPr>
         <p:spPr>
           <a:xfrm>
-            <a:off x="2275743" y="4214461"/>
+            <a:off x="4737584" y="4574943"/>
             <a:ext cx="1465" cy="155321"/>
           </a:xfrm>
           <a:prstGeom prst="straightConnector1">
@@ -4283,8 +4401,8 @@
         </p:nvSpPr>
         <p:spPr>
           <a:xfrm>
-            <a:off x="9220196" y="2309452"/>
-            <a:ext cx="952501" cy="253916"/>
+            <a:off x="9091246" y="2309452"/>
+            <a:ext cx="1081451" cy="253916"/>
           </a:xfrm>
           <a:prstGeom prst="rect">
             <a:avLst/>
@@ -4299,7 +4417,7 @@
           <a:p>
             <a:r>
               <a:rPr lang="en-SG" sz="1050" dirty="0"/>
-              <a:t>[Free]</a:t>
+              <a:t>[Schedule Free]</a:t>
             </a:r>
           </a:p>
         </p:txBody>
@@ -4493,8 +4611,8 @@
         </p:nvCxnSpPr>
         <p:spPr>
           <a:xfrm>
-            <a:off x="10093569" y="3264892"/>
-            <a:ext cx="5863" cy="243258"/>
+            <a:off x="10093569" y="3279532"/>
+            <a:ext cx="5863" cy="228618"/>
           </a:xfrm>
           <a:prstGeom prst="straightConnector1">
             <a:avLst/>
@@ -4571,7 +4689,7 @@
         <p:spPr>
           <a:xfrm>
             <a:off x="8109440" y="4788887"/>
-            <a:ext cx="1606060" cy="644765"/>
+            <a:ext cx="1606060" cy="407367"/>
           </a:xfrm>
           <a:prstGeom prst="roundRect">
             <a:avLst/>
@@ -4624,12 +4742,12 @@
         </p:nvCxnSpPr>
         <p:spPr>
           <a:xfrm rot="10800000" flipH="1">
-            <a:off x="8109440" y="1781908"/>
-            <a:ext cx="67406" cy="3329362"/>
+            <a:off x="8109440" y="1781909"/>
+            <a:ext cx="67406" cy="3210663"/>
           </a:xfrm>
           <a:prstGeom prst="bentConnector3">
             <a:avLst>
-              <a:gd name="adj1" fmla="val -1591345"/>
+              <a:gd name="adj1" fmla="val -1539169"/>
             </a:avLst>
           </a:prstGeom>
           <a:ln w="28575">
@@ -4703,7 +4821,7 @@
         </p:nvSpPr>
         <p:spPr>
           <a:xfrm>
-            <a:off x="8897821" y="5460025"/>
+            <a:off x="8897821" y="5196262"/>
             <a:ext cx="1342292" cy="253916"/>
           </a:xfrm>
           <a:prstGeom prst="rect">
@@ -4747,8 +4865,8 @@
         </p:nvCxnSpPr>
         <p:spPr>
           <a:xfrm flipH="1">
-            <a:off x="8912469" y="5433652"/>
-            <a:ext cx="1" cy="260844"/>
+            <a:off x="8912469" y="5196254"/>
+            <a:ext cx="1" cy="313610"/>
           </a:xfrm>
           <a:prstGeom prst="straightConnector1">
             <a:avLst/>
